--- a/ppt 16-9/0544.主恩更多.pptx
+++ b/ppt 16-9/0544.主恩更多.pptx
@@ -5,7 +5,7 @@
     <p:sldMasterId id="2147483648" r:id="rId1"/>
   </p:sldMasterIdLst>
   <p:sldIdLst>
-    <p:sldId id="2291" r:id="rId2"/>
+    <p:sldId id="2293" r:id="rId2"/>
   </p:sldIdLst>
   <p:sldSz cx="12192000" cy="6858000"/>
   <p:notesSz cx="6858000" cy="9144000"/>
@@ -129,7 +129,7 @@
           <p:cNvPr id="2" name="标题 1">
             <a:extLst>
               <a:ext uri="{FF2B5EF4-FFF2-40B4-BE49-F238E27FC236}">
-                <a16:creationId xmlns:a16="http://schemas.microsoft.com/office/drawing/2014/main" id="{291883E9-7892-D1D3-BDE9-D887A10529FC}"/>
+                <a16:creationId xmlns:a16="http://schemas.microsoft.com/office/drawing/2014/main" id="{98FDEB8C-705A-6FE3-0A13-EB695F5BCE3D}"/>
               </a:ext>
             </a:extLst>
           </p:cNvPr>
@@ -166,7 +166,7 @@
           <p:cNvPr id="3" name="副标题 2">
             <a:extLst>
               <a:ext uri="{FF2B5EF4-FFF2-40B4-BE49-F238E27FC236}">
-                <a16:creationId xmlns:a16="http://schemas.microsoft.com/office/drawing/2014/main" id="{870E0E7E-3A1F-5CB9-EDD9-70E67556D10C}"/>
+                <a16:creationId xmlns:a16="http://schemas.microsoft.com/office/drawing/2014/main" id="{CE806BF0-3354-39A8-61BE-F50EE05C99EE}"/>
               </a:ext>
             </a:extLst>
           </p:cNvPr>
@@ -236,7 +236,7 @@
           <p:cNvPr id="4" name="日期占位符 3">
             <a:extLst>
               <a:ext uri="{FF2B5EF4-FFF2-40B4-BE49-F238E27FC236}">
-                <a16:creationId xmlns:a16="http://schemas.microsoft.com/office/drawing/2014/main" id="{0FDFE8F8-3A41-B278-35B2-56CF42E75B89}"/>
+                <a16:creationId xmlns:a16="http://schemas.microsoft.com/office/drawing/2014/main" id="{41319682-A678-ED8C-B96A-96784F0DA2A9}"/>
               </a:ext>
             </a:extLst>
           </p:cNvPr>
@@ -252,7 +252,7 @@
           <a:bodyPr/>
           <a:lstStyle/>
           <a:p>
-            <a:fld id="{90931C7A-AFF6-4763-82BE-63FA58D1461E}" type="datetimeFigureOut">
+            <a:fld id="{AB8664D7-A399-4A1A-B72F-A7A7424E38D8}" type="datetimeFigureOut">
               <a:rPr lang="zh-CN" altLang="en-US" smtClean="0"/>
               <a:t>2024/3/10</a:t>
             </a:fld>
@@ -265,7 +265,7 @@
           <p:cNvPr id="5" name="页脚占位符 4">
             <a:extLst>
               <a:ext uri="{FF2B5EF4-FFF2-40B4-BE49-F238E27FC236}">
-                <a16:creationId xmlns:a16="http://schemas.microsoft.com/office/drawing/2014/main" id="{E37668D3-A567-46E1-3BD6-1106DCFB72CA}"/>
+                <a16:creationId xmlns:a16="http://schemas.microsoft.com/office/drawing/2014/main" id="{6B5C9A45-5A53-3BE7-3894-7391389F488F}"/>
               </a:ext>
             </a:extLst>
           </p:cNvPr>
@@ -290,7 +290,7 @@
           <p:cNvPr id="6" name="灯片编号占位符 5">
             <a:extLst>
               <a:ext uri="{FF2B5EF4-FFF2-40B4-BE49-F238E27FC236}">
-                <a16:creationId xmlns:a16="http://schemas.microsoft.com/office/drawing/2014/main" id="{585C74D5-5AC0-EB11-5296-4CF16B405A45}"/>
+                <a16:creationId xmlns:a16="http://schemas.microsoft.com/office/drawing/2014/main" id="{48BA22E3-3AC4-CE0A-CFD0-AD6D944ABB97}"/>
               </a:ext>
             </a:extLst>
           </p:cNvPr>
@@ -306,7 +306,7 @@
           <a:bodyPr/>
           <a:lstStyle/>
           <a:p>
-            <a:fld id="{24F4558D-B8AE-42A7-B223-51B7684891C8}" type="slidenum">
+            <a:fld id="{E8DE1F5A-10E4-4803-8ECE-FAEFEEEAE948}" type="slidenum">
               <a:rPr lang="zh-CN" altLang="en-US" smtClean="0"/>
               <a:t>‹#›</a:t>
             </a:fld>
@@ -317,7 +317,7 @@
     </p:spTree>
     <p:extLst>
       <p:ext uri="{BB962C8B-B14F-4D97-AF65-F5344CB8AC3E}">
-        <p14:creationId xmlns:p14="http://schemas.microsoft.com/office/powerpoint/2010/main" val="1438538120"/>
+        <p14:creationId xmlns:p14="http://schemas.microsoft.com/office/powerpoint/2010/main" val="2325169550"/>
       </p:ext>
     </p:extLst>
   </p:cSld>
@@ -349,7 +349,7 @@
           <p:cNvPr id="2" name="标题 1">
             <a:extLst>
               <a:ext uri="{FF2B5EF4-FFF2-40B4-BE49-F238E27FC236}">
-                <a16:creationId xmlns:a16="http://schemas.microsoft.com/office/drawing/2014/main" id="{745C9A7E-CF31-0724-907D-7AEBBE259D4D}"/>
+                <a16:creationId xmlns:a16="http://schemas.microsoft.com/office/drawing/2014/main" id="{B2B6C48D-F187-AB01-ED58-A48A64B52ABC}"/>
               </a:ext>
             </a:extLst>
           </p:cNvPr>
@@ -377,7 +377,7 @@
           <p:cNvPr id="3" name="竖排文字占位符 2">
             <a:extLst>
               <a:ext uri="{FF2B5EF4-FFF2-40B4-BE49-F238E27FC236}">
-                <a16:creationId xmlns:a16="http://schemas.microsoft.com/office/drawing/2014/main" id="{5419A89E-FABD-1AA4-8E60-454BB4B781CF}"/>
+                <a16:creationId xmlns:a16="http://schemas.microsoft.com/office/drawing/2014/main" id="{2C771F0F-D763-FF0E-7BDD-03521ECB1E88}"/>
               </a:ext>
             </a:extLst>
           </p:cNvPr>
@@ -434,7 +434,7 @@
           <p:cNvPr id="4" name="日期占位符 3">
             <a:extLst>
               <a:ext uri="{FF2B5EF4-FFF2-40B4-BE49-F238E27FC236}">
-                <a16:creationId xmlns:a16="http://schemas.microsoft.com/office/drawing/2014/main" id="{A2D69457-9CD4-89D7-C6BD-2A8304E8B799}"/>
+                <a16:creationId xmlns:a16="http://schemas.microsoft.com/office/drawing/2014/main" id="{81A59AA8-C468-25D3-C228-EB74767DC7A1}"/>
               </a:ext>
             </a:extLst>
           </p:cNvPr>
@@ -450,7 +450,7 @@
           <a:bodyPr/>
           <a:lstStyle/>
           <a:p>
-            <a:fld id="{90931C7A-AFF6-4763-82BE-63FA58D1461E}" type="datetimeFigureOut">
+            <a:fld id="{AB8664D7-A399-4A1A-B72F-A7A7424E38D8}" type="datetimeFigureOut">
               <a:rPr lang="zh-CN" altLang="en-US" smtClean="0"/>
               <a:t>2024/3/10</a:t>
             </a:fld>
@@ -463,7 +463,7 @@
           <p:cNvPr id="5" name="页脚占位符 4">
             <a:extLst>
               <a:ext uri="{FF2B5EF4-FFF2-40B4-BE49-F238E27FC236}">
-                <a16:creationId xmlns:a16="http://schemas.microsoft.com/office/drawing/2014/main" id="{E543800A-1206-09AD-FADC-3171447D1CE1}"/>
+                <a16:creationId xmlns:a16="http://schemas.microsoft.com/office/drawing/2014/main" id="{D6F1A126-2A42-A406-4D7B-F808820AF9BC}"/>
               </a:ext>
             </a:extLst>
           </p:cNvPr>
@@ -488,7 +488,7 @@
           <p:cNvPr id="6" name="灯片编号占位符 5">
             <a:extLst>
               <a:ext uri="{FF2B5EF4-FFF2-40B4-BE49-F238E27FC236}">
-                <a16:creationId xmlns:a16="http://schemas.microsoft.com/office/drawing/2014/main" id="{199CAF61-3E8E-CCA2-A959-26F5C48FDAFC}"/>
+                <a16:creationId xmlns:a16="http://schemas.microsoft.com/office/drawing/2014/main" id="{02FE83E9-1892-2610-D74E-C5BDD479A629}"/>
               </a:ext>
             </a:extLst>
           </p:cNvPr>
@@ -504,7 +504,7 @@
           <a:bodyPr/>
           <a:lstStyle/>
           <a:p>
-            <a:fld id="{24F4558D-B8AE-42A7-B223-51B7684891C8}" type="slidenum">
+            <a:fld id="{E8DE1F5A-10E4-4803-8ECE-FAEFEEEAE948}" type="slidenum">
               <a:rPr lang="zh-CN" altLang="en-US" smtClean="0"/>
               <a:t>‹#›</a:t>
             </a:fld>
@@ -515,7 +515,7 @@
     </p:spTree>
     <p:extLst>
       <p:ext uri="{BB962C8B-B14F-4D97-AF65-F5344CB8AC3E}">
-        <p14:creationId xmlns:p14="http://schemas.microsoft.com/office/powerpoint/2010/main" val="3753519950"/>
+        <p14:creationId xmlns:p14="http://schemas.microsoft.com/office/powerpoint/2010/main" val="4051495372"/>
       </p:ext>
     </p:extLst>
   </p:cSld>
@@ -547,7 +547,7 @@
           <p:cNvPr id="2" name="竖排标题 1">
             <a:extLst>
               <a:ext uri="{FF2B5EF4-FFF2-40B4-BE49-F238E27FC236}">
-                <a16:creationId xmlns:a16="http://schemas.microsoft.com/office/drawing/2014/main" id="{F23D3817-8606-5F3F-1467-EA684E352304}"/>
+                <a16:creationId xmlns:a16="http://schemas.microsoft.com/office/drawing/2014/main" id="{FE372A8C-C85C-87DD-79EC-20E732D611BC}"/>
               </a:ext>
             </a:extLst>
           </p:cNvPr>
@@ -580,7 +580,7 @@
           <p:cNvPr id="3" name="竖排文字占位符 2">
             <a:extLst>
               <a:ext uri="{FF2B5EF4-FFF2-40B4-BE49-F238E27FC236}">
-                <a16:creationId xmlns:a16="http://schemas.microsoft.com/office/drawing/2014/main" id="{2B6EFD5C-FF8A-7683-6FF0-2808C77526A0}"/>
+                <a16:creationId xmlns:a16="http://schemas.microsoft.com/office/drawing/2014/main" id="{CA36554A-5084-2338-BCE2-8C1ADDB540DE}"/>
               </a:ext>
             </a:extLst>
           </p:cNvPr>
@@ -642,7 +642,7 @@
           <p:cNvPr id="4" name="日期占位符 3">
             <a:extLst>
               <a:ext uri="{FF2B5EF4-FFF2-40B4-BE49-F238E27FC236}">
-                <a16:creationId xmlns:a16="http://schemas.microsoft.com/office/drawing/2014/main" id="{019B9388-8126-2DB7-7A08-F4DC75A0C2AE}"/>
+                <a16:creationId xmlns:a16="http://schemas.microsoft.com/office/drawing/2014/main" id="{D1416696-182C-16E3-E075-E5F8CBFF1EE8}"/>
               </a:ext>
             </a:extLst>
           </p:cNvPr>
@@ -658,7 +658,7 @@
           <a:bodyPr/>
           <a:lstStyle/>
           <a:p>
-            <a:fld id="{90931C7A-AFF6-4763-82BE-63FA58D1461E}" type="datetimeFigureOut">
+            <a:fld id="{AB8664D7-A399-4A1A-B72F-A7A7424E38D8}" type="datetimeFigureOut">
               <a:rPr lang="zh-CN" altLang="en-US" smtClean="0"/>
               <a:t>2024/3/10</a:t>
             </a:fld>
@@ -671,7 +671,7 @@
           <p:cNvPr id="5" name="页脚占位符 4">
             <a:extLst>
               <a:ext uri="{FF2B5EF4-FFF2-40B4-BE49-F238E27FC236}">
-                <a16:creationId xmlns:a16="http://schemas.microsoft.com/office/drawing/2014/main" id="{21E900C1-CA8D-4F87-3461-1264FE2E6EE2}"/>
+                <a16:creationId xmlns:a16="http://schemas.microsoft.com/office/drawing/2014/main" id="{488BE64B-69D7-B610-B0C2-C861CF0FD471}"/>
               </a:ext>
             </a:extLst>
           </p:cNvPr>
@@ -696,7 +696,7 @@
           <p:cNvPr id="6" name="灯片编号占位符 5">
             <a:extLst>
               <a:ext uri="{FF2B5EF4-FFF2-40B4-BE49-F238E27FC236}">
-                <a16:creationId xmlns:a16="http://schemas.microsoft.com/office/drawing/2014/main" id="{80151A05-51E7-EE24-0CE6-785D59DA2714}"/>
+                <a16:creationId xmlns:a16="http://schemas.microsoft.com/office/drawing/2014/main" id="{51075281-A6B1-E84B-77BA-576BBE33A522}"/>
               </a:ext>
             </a:extLst>
           </p:cNvPr>
@@ -712,7 +712,7 @@
           <a:bodyPr/>
           <a:lstStyle/>
           <a:p>
-            <a:fld id="{24F4558D-B8AE-42A7-B223-51B7684891C8}" type="slidenum">
+            <a:fld id="{E8DE1F5A-10E4-4803-8ECE-FAEFEEEAE948}" type="slidenum">
               <a:rPr lang="zh-CN" altLang="en-US" smtClean="0"/>
               <a:t>‹#›</a:t>
             </a:fld>
@@ -723,7 +723,7 @@
     </p:spTree>
     <p:extLst>
       <p:ext uri="{BB962C8B-B14F-4D97-AF65-F5344CB8AC3E}">
-        <p14:creationId xmlns:p14="http://schemas.microsoft.com/office/powerpoint/2010/main" val="1305520223"/>
+        <p14:creationId xmlns:p14="http://schemas.microsoft.com/office/powerpoint/2010/main" val="3371873647"/>
       </p:ext>
     </p:extLst>
   </p:cSld>
@@ -755,7 +755,7 @@
           <p:cNvPr id="2" name="标题 1">
             <a:extLst>
               <a:ext uri="{FF2B5EF4-FFF2-40B4-BE49-F238E27FC236}">
-                <a16:creationId xmlns:a16="http://schemas.microsoft.com/office/drawing/2014/main" id="{619FC353-BA05-8DDD-5724-1445F6258DCB}"/>
+                <a16:creationId xmlns:a16="http://schemas.microsoft.com/office/drawing/2014/main" id="{2FD8123F-CBD8-0677-E129-8E71F52C3877}"/>
               </a:ext>
             </a:extLst>
           </p:cNvPr>
@@ -783,7 +783,7 @@
           <p:cNvPr id="3" name="内容占位符 2">
             <a:extLst>
               <a:ext uri="{FF2B5EF4-FFF2-40B4-BE49-F238E27FC236}">
-                <a16:creationId xmlns:a16="http://schemas.microsoft.com/office/drawing/2014/main" id="{5532056E-DA90-DAFB-78C4-2763882D4195}"/>
+                <a16:creationId xmlns:a16="http://schemas.microsoft.com/office/drawing/2014/main" id="{A99DEE3D-B273-3DA1-6907-7FB497E37515}"/>
               </a:ext>
             </a:extLst>
           </p:cNvPr>
@@ -840,7 +840,7 @@
           <p:cNvPr id="4" name="日期占位符 3">
             <a:extLst>
               <a:ext uri="{FF2B5EF4-FFF2-40B4-BE49-F238E27FC236}">
-                <a16:creationId xmlns:a16="http://schemas.microsoft.com/office/drawing/2014/main" id="{FE59F8DE-F91B-AB65-6B6A-4C7844CBA24D}"/>
+                <a16:creationId xmlns:a16="http://schemas.microsoft.com/office/drawing/2014/main" id="{56A14BC5-6350-E9C2-10D8-DC419FDDE771}"/>
               </a:ext>
             </a:extLst>
           </p:cNvPr>
@@ -856,7 +856,7 @@
           <a:bodyPr/>
           <a:lstStyle/>
           <a:p>
-            <a:fld id="{90931C7A-AFF6-4763-82BE-63FA58D1461E}" type="datetimeFigureOut">
+            <a:fld id="{AB8664D7-A399-4A1A-B72F-A7A7424E38D8}" type="datetimeFigureOut">
               <a:rPr lang="zh-CN" altLang="en-US" smtClean="0"/>
               <a:t>2024/3/10</a:t>
             </a:fld>
@@ -869,7 +869,7 @@
           <p:cNvPr id="5" name="页脚占位符 4">
             <a:extLst>
               <a:ext uri="{FF2B5EF4-FFF2-40B4-BE49-F238E27FC236}">
-                <a16:creationId xmlns:a16="http://schemas.microsoft.com/office/drawing/2014/main" id="{BDBB3E6E-89C2-856F-5B79-57824AE7EFD2}"/>
+                <a16:creationId xmlns:a16="http://schemas.microsoft.com/office/drawing/2014/main" id="{B2BE4FB5-1B47-04D3-5394-F7BB316AEA8C}"/>
               </a:ext>
             </a:extLst>
           </p:cNvPr>
@@ -894,7 +894,7 @@
           <p:cNvPr id="6" name="灯片编号占位符 5">
             <a:extLst>
               <a:ext uri="{FF2B5EF4-FFF2-40B4-BE49-F238E27FC236}">
-                <a16:creationId xmlns:a16="http://schemas.microsoft.com/office/drawing/2014/main" id="{6E0B34C1-630B-2AA1-0D0B-F811E06115F2}"/>
+                <a16:creationId xmlns:a16="http://schemas.microsoft.com/office/drawing/2014/main" id="{DBD0A8A8-1DE9-51D9-DF98-764F707D9466}"/>
               </a:ext>
             </a:extLst>
           </p:cNvPr>
@@ -910,7 +910,7 @@
           <a:bodyPr/>
           <a:lstStyle/>
           <a:p>
-            <a:fld id="{24F4558D-B8AE-42A7-B223-51B7684891C8}" type="slidenum">
+            <a:fld id="{E8DE1F5A-10E4-4803-8ECE-FAEFEEEAE948}" type="slidenum">
               <a:rPr lang="zh-CN" altLang="en-US" smtClean="0"/>
               <a:t>‹#›</a:t>
             </a:fld>
@@ -921,7 +921,7 @@
     </p:spTree>
     <p:extLst>
       <p:ext uri="{BB962C8B-B14F-4D97-AF65-F5344CB8AC3E}">
-        <p14:creationId xmlns:p14="http://schemas.microsoft.com/office/powerpoint/2010/main" val="3446649689"/>
+        <p14:creationId xmlns:p14="http://schemas.microsoft.com/office/powerpoint/2010/main" val="2975165239"/>
       </p:ext>
     </p:extLst>
   </p:cSld>
@@ -953,7 +953,7 @@
           <p:cNvPr id="2" name="标题 1">
             <a:extLst>
               <a:ext uri="{FF2B5EF4-FFF2-40B4-BE49-F238E27FC236}">
-                <a16:creationId xmlns:a16="http://schemas.microsoft.com/office/drawing/2014/main" id="{9F70B8DA-00CA-514C-8CB7-206C2AAE7E08}"/>
+                <a16:creationId xmlns:a16="http://schemas.microsoft.com/office/drawing/2014/main" id="{56CA2DFC-8392-C43C-CD2B-DE1104B46E05}"/>
               </a:ext>
             </a:extLst>
           </p:cNvPr>
@@ -990,7 +990,7 @@
           <p:cNvPr id="3" name="文本占位符 2">
             <a:extLst>
               <a:ext uri="{FF2B5EF4-FFF2-40B4-BE49-F238E27FC236}">
-                <a16:creationId xmlns:a16="http://schemas.microsoft.com/office/drawing/2014/main" id="{95D485CB-ECAC-4FD2-91C5-9FDB0134F9E1}"/>
+                <a16:creationId xmlns:a16="http://schemas.microsoft.com/office/drawing/2014/main" id="{CD362516-4279-9608-63C4-A6A480CBAB75}"/>
               </a:ext>
             </a:extLst>
           </p:cNvPr>
@@ -1115,7 +1115,7 @@
           <p:cNvPr id="4" name="日期占位符 3">
             <a:extLst>
               <a:ext uri="{FF2B5EF4-FFF2-40B4-BE49-F238E27FC236}">
-                <a16:creationId xmlns:a16="http://schemas.microsoft.com/office/drawing/2014/main" id="{DBAE9979-90EC-EF0A-C67E-6DEC64B8093D}"/>
+                <a16:creationId xmlns:a16="http://schemas.microsoft.com/office/drawing/2014/main" id="{CF995BD2-3535-FFD2-EA35-A52E1FD41C83}"/>
               </a:ext>
             </a:extLst>
           </p:cNvPr>
@@ -1131,7 +1131,7 @@
           <a:bodyPr/>
           <a:lstStyle/>
           <a:p>
-            <a:fld id="{90931C7A-AFF6-4763-82BE-63FA58D1461E}" type="datetimeFigureOut">
+            <a:fld id="{AB8664D7-A399-4A1A-B72F-A7A7424E38D8}" type="datetimeFigureOut">
               <a:rPr lang="zh-CN" altLang="en-US" smtClean="0"/>
               <a:t>2024/3/10</a:t>
             </a:fld>
@@ -1144,7 +1144,7 @@
           <p:cNvPr id="5" name="页脚占位符 4">
             <a:extLst>
               <a:ext uri="{FF2B5EF4-FFF2-40B4-BE49-F238E27FC236}">
-                <a16:creationId xmlns:a16="http://schemas.microsoft.com/office/drawing/2014/main" id="{E3109B86-0A74-45A2-16ED-4559D2BAA417}"/>
+                <a16:creationId xmlns:a16="http://schemas.microsoft.com/office/drawing/2014/main" id="{27F76E0B-AE63-17BB-6117-85C6B0A4C417}"/>
               </a:ext>
             </a:extLst>
           </p:cNvPr>
@@ -1169,7 +1169,7 @@
           <p:cNvPr id="6" name="灯片编号占位符 5">
             <a:extLst>
               <a:ext uri="{FF2B5EF4-FFF2-40B4-BE49-F238E27FC236}">
-                <a16:creationId xmlns:a16="http://schemas.microsoft.com/office/drawing/2014/main" id="{894F5F7C-D7DB-8D41-425C-2C8BC65987A2}"/>
+                <a16:creationId xmlns:a16="http://schemas.microsoft.com/office/drawing/2014/main" id="{D857174F-3BD1-BB39-175D-039A25ABDEE8}"/>
               </a:ext>
             </a:extLst>
           </p:cNvPr>
@@ -1185,7 +1185,7 @@
           <a:bodyPr/>
           <a:lstStyle/>
           <a:p>
-            <a:fld id="{24F4558D-B8AE-42A7-B223-51B7684891C8}" type="slidenum">
+            <a:fld id="{E8DE1F5A-10E4-4803-8ECE-FAEFEEEAE948}" type="slidenum">
               <a:rPr lang="zh-CN" altLang="en-US" smtClean="0"/>
               <a:t>‹#›</a:t>
             </a:fld>
@@ -1196,7 +1196,7 @@
     </p:spTree>
     <p:extLst>
       <p:ext uri="{BB962C8B-B14F-4D97-AF65-F5344CB8AC3E}">
-        <p14:creationId xmlns:p14="http://schemas.microsoft.com/office/powerpoint/2010/main" val="839758063"/>
+        <p14:creationId xmlns:p14="http://schemas.microsoft.com/office/powerpoint/2010/main" val="2581238789"/>
       </p:ext>
     </p:extLst>
   </p:cSld>
@@ -1228,7 +1228,7 @@
           <p:cNvPr id="2" name="标题 1">
             <a:extLst>
               <a:ext uri="{FF2B5EF4-FFF2-40B4-BE49-F238E27FC236}">
-                <a16:creationId xmlns:a16="http://schemas.microsoft.com/office/drawing/2014/main" id="{41C413E7-B760-6300-7D6C-698C5BB88A58}"/>
+                <a16:creationId xmlns:a16="http://schemas.microsoft.com/office/drawing/2014/main" id="{6FDFD86D-71B7-85C2-CD0E-A48995A55EDB}"/>
               </a:ext>
             </a:extLst>
           </p:cNvPr>
@@ -1256,7 +1256,7 @@
           <p:cNvPr id="3" name="内容占位符 2">
             <a:extLst>
               <a:ext uri="{FF2B5EF4-FFF2-40B4-BE49-F238E27FC236}">
-                <a16:creationId xmlns:a16="http://schemas.microsoft.com/office/drawing/2014/main" id="{0F8CD400-E4BE-AD90-F775-4A24E93CB7A1}"/>
+                <a16:creationId xmlns:a16="http://schemas.microsoft.com/office/drawing/2014/main" id="{6721167B-7227-211E-083F-BFFDC23AC5A5}"/>
               </a:ext>
             </a:extLst>
           </p:cNvPr>
@@ -1318,7 +1318,7 @@
           <p:cNvPr id="4" name="内容占位符 3">
             <a:extLst>
               <a:ext uri="{FF2B5EF4-FFF2-40B4-BE49-F238E27FC236}">
-                <a16:creationId xmlns:a16="http://schemas.microsoft.com/office/drawing/2014/main" id="{7E4DF94B-0051-CAD7-FD5D-3193CB4AF595}"/>
+                <a16:creationId xmlns:a16="http://schemas.microsoft.com/office/drawing/2014/main" id="{C97E572E-E709-D0C8-4491-05A5BB04798C}"/>
               </a:ext>
             </a:extLst>
           </p:cNvPr>
@@ -1380,7 +1380,7 @@
           <p:cNvPr id="5" name="日期占位符 4">
             <a:extLst>
               <a:ext uri="{FF2B5EF4-FFF2-40B4-BE49-F238E27FC236}">
-                <a16:creationId xmlns:a16="http://schemas.microsoft.com/office/drawing/2014/main" id="{306BED39-BE3F-5D4D-7E1B-03941B62432D}"/>
+                <a16:creationId xmlns:a16="http://schemas.microsoft.com/office/drawing/2014/main" id="{B8DF7D23-C1B9-9534-A10C-FA713D2A1C63}"/>
               </a:ext>
             </a:extLst>
           </p:cNvPr>
@@ -1396,7 +1396,7 @@
           <a:bodyPr/>
           <a:lstStyle/>
           <a:p>
-            <a:fld id="{90931C7A-AFF6-4763-82BE-63FA58D1461E}" type="datetimeFigureOut">
+            <a:fld id="{AB8664D7-A399-4A1A-B72F-A7A7424E38D8}" type="datetimeFigureOut">
               <a:rPr lang="zh-CN" altLang="en-US" smtClean="0"/>
               <a:t>2024/3/10</a:t>
             </a:fld>
@@ -1409,7 +1409,7 @@
           <p:cNvPr id="6" name="页脚占位符 5">
             <a:extLst>
               <a:ext uri="{FF2B5EF4-FFF2-40B4-BE49-F238E27FC236}">
-                <a16:creationId xmlns:a16="http://schemas.microsoft.com/office/drawing/2014/main" id="{0F9AFAB1-1F52-4947-51BF-800A16C131D8}"/>
+                <a16:creationId xmlns:a16="http://schemas.microsoft.com/office/drawing/2014/main" id="{C34908F3-9F6A-9EF9-2D6D-AEC10BC8527B}"/>
               </a:ext>
             </a:extLst>
           </p:cNvPr>
@@ -1434,7 +1434,7 @@
           <p:cNvPr id="7" name="灯片编号占位符 6">
             <a:extLst>
               <a:ext uri="{FF2B5EF4-FFF2-40B4-BE49-F238E27FC236}">
-                <a16:creationId xmlns:a16="http://schemas.microsoft.com/office/drawing/2014/main" id="{71A4D7AD-D3FB-AD91-C68E-84713D0FCE07}"/>
+                <a16:creationId xmlns:a16="http://schemas.microsoft.com/office/drawing/2014/main" id="{F3A51498-584C-C051-565E-E257DDA6C530}"/>
               </a:ext>
             </a:extLst>
           </p:cNvPr>
@@ -1450,7 +1450,7 @@
           <a:bodyPr/>
           <a:lstStyle/>
           <a:p>
-            <a:fld id="{24F4558D-B8AE-42A7-B223-51B7684891C8}" type="slidenum">
+            <a:fld id="{E8DE1F5A-10E4-4803-8ECE-FAEFEEEAE948}" type="slidenum">
               <a:rPr lang="zh-CN" altLang="en-US" smtClean="0"/>
               <a:t>‹#›</a:t>
             </a:fld>
@@ -1461,7 +1461,7 @@
     </p:spTree>
     <p:extLst>
       <p:ext uri="{BB962C8B-B14F-4D97-AF65-F5344CB8AC3E}">
-        <p14:creationId xmlns:p14="http://schemas.microsoft.com/office/powerpoint/2010/main" val="1944338916"/>
+        <p14:creationId xmlns:p14="http://schemas.microsoft.com/office/powerpoint/2010/main" val="2211405897"/>
       </p:ext>
     </p:extLst>
   </p:cSld>
@@ -1493,7 +1493,7 @@
           <p:cNvPr id="2" name="标题 1">
             <a:extLst>
               <a:ext uri="{FF2B5EF4-FFF2-40B4-BE49-F238E27FC236}">
-                <a16:creationId xmlns:a16="http://schemas.microsoft.com/office/drawing/2014/main" id="{5E295373-1199-FA2C-B7F1-FEA7258B8B2C}"/>
+                <a16:creationId xmlns:a16="http://schemas.microsoft.com/office/drawing/2014/main" id="{CD325FD5-8844-9207-9720-AC32D26DA820}"/>
               </a:ext>
             </a:extLst>
           </p:cNvPr>
@@ -1526,7 +1526,7 @@
           <p:cNvPr id="3" name="文本占位符 2">
             <a:extLst>
               <a:ext uri="{FF2B5EF4-FFF2-40B4-BE49-F238E27FC236}">
-                <a16:creationId xmlns:a16="http://schemas.microsoft.com/office/drawing/2014/main" id="{A054235D-5EBE-AD1C-DC9F-91D647C1B607}"/>
+                <a16:creationId xmlns:a16="http://schemas.microsoft.com/office/drawing/2014/main" id="{A9AA541E-4620-42C0-CA1C-58CC3A39BCC1}"/>
               </a:ext>
             </a:extLst>
           </p:cNvPr>
@@ -1597,7 +1597,7 @@
           <p:cNvPr id="4" name="内容占位符 3">
             <a:extLst>
               <a:ext uri="{FF2B5EF4-FFF2-40B4-BE49-F238E27FC236}">
-                <a16:creationId xmlns:a16="http://schemas.microsoft.com/office/drawing/2014/main" id="{ACB68DB6-B4D7-BBBC-768C-8B4651C65E0F}"/>
+                <a16:creationId xmlns:a16="http://schemas.microsoft.com/office/drawing/2014/main" id="{94108F0A-4D0A-5BA6-8CAC-E5A64ED8FF2C}"/>
               </a:ext>
             </a:extLst>
           </p:cNvPr>
@@ -1659,7 +1659,7 @@
           <p:cNvPr id="5" name="文本占位符 4">
             <a:extLst>
               <a:ext uri="{FF2B5EF4-FFF2-40B4-BE49-F238E27FC236}">
-                <a16:creationId xmlns:a16="http://schemas.microsoft.com/office/drawing/2014/main" id="{0DE54C67-80FC-1A27-B1EA-73D7AE7F64DC}"/>
+                <a16:creationId xmlns:a16="http://schemas.microsoft.com/office/drawing/2014/main" id="{35F323B3-853D-C114-0F86-D4EE4551B82C}"/>
               </a:ext>
             </a:extLst>
           </p:cNvPr>
@@ -1730,7 +1730,7 @@
           <p:cNvPr id="6" name="内容占位符 5">
             <a:extLst>
               <a:ext uri="{FF2B5EF4-FFF2-40B4-BE49-F238E27FC236}">
-                <a16:creationId xmlns:a16="http://schemas.microsoft.com/office/drawing/2014/main" id="{EA906473-D047-FF2E-2C64-57D404FEDBBD}"/>
+                <a16:creationId xmlns:a16="http://schemas.microsoft.com/office/drawing/2014/main" id="{7B4FE594-45C2-7AFD-D195-718428DD528F}"/>
               </a:ext>
             </a:extLst>
           </p:cNvPr>
@@ -1792,7 +1792,7 @@
           <p:cNvPr id="7" name="日期占位符 6">
             <a:extLst>
               <a:ext uri="{FF2B5EF4-FFF2-40B4-BE49-F238E27FC236}">
-                <a16:creationId xmlns:a16="http://schemas.microsoft.com/office/drawing/2014/main" id="{DE74060D-2A7F-B297-0726-CD074C7D929E}"/>
+                <a16:creationId xmlns:a16="http://schemas.microsoft.com/office/drawing/2014/main" id="{04CAD236-DE5D-E7DF-87C2-D388AC7FBD85}"/>
               </a:ext>
             </a:extLst>
           </p:cNvPr>
@@ -1808,7 +1808,7 @@
           <a:bodyPr/>
           <a:lstStyle/>
           <a:p>
-            <a:fld id="{90931C7A-AFF6-4763-82BE-63FA58D1461E}" type="datetimeFigureOut">
+            <a:fld id="{AB8664D7-A399-4A1A-B72F-A7A7424E38D8}" type="datetimeFigureOut">
               <a:rPr lang="zh-CN" altLang="en-US" smtClean="0"/>
               <a:t>2024/3/10</a:t>
             </a:fld>
@@ -1821,7 +1821,7 @@
           <p:cNvPr id="8" name="页脚占位符 7">
             <a:extLst>
               <a:ext uri="{FF2B5EF4-FFF2-40B4-BE49-F238E27FC236}">
-                <a16:creationId xmlns:a16="http://schemas.microsoft.com/office/drawing/2014/main" id="{A82F103E-DBBD-C30F-640F-A213FC4F1589}"/>
+                <a16:creationId xmlns:a16="http://schemas.microsoft.com/office/drawing/2014/main" id="{1492746E-18C4-743C-242A-D518EF88C973}"/>
               </a:ext>
             </a:extLst>
           </p:cNvPr>
@@ -1846,7 +1846,7 @@
           <p:cNvPr id="9" name="灯片编号占位符 8">
             <a:extLst>
               <a:ext uri="{FF2B5EF4-FFF2-40B4-BE49-F238E27FC236}">
-                <a16:creationId xmlns:a16="http://schemas.microsoft.com/office/drawing/2014/main" id="{4719CD5F-6AC0-CB7D-09DC-4075801C8A78}"/>
+                <a16:creationId xmlns:a16="http://schemas.microsoft.com/office/drawing/2014/main" id="{C8386855-75BB-0F8A-2496-F49E68D10C0C}"/>
               </a:ext>
             </a:extLst>
           </p:cNvPr>
@@ -1862,7 +1862,7 @@
           <a:bodyPr/>
           <a:lstStyle/>
           <a:p>
-            <a:fld id="{24F4558D-B8AE-42A7-B223-51B7684891C8}" type="slidenum">
+            <a:fld id="{E8DE1F5A-10E4-4803-8ECE-FAEFEEEAE948}" type="slidenum">
               <a:rPr lang="zh-CN" altLang="en-US" smtClean="0"/>
               <a:t>‹#›</a:t>
             </a:fld>
@@ -1873,7 +1873,7 @@
     </p:spTree>
     <p:extLst>
       <p:ext uri="{BB962C8B-B14F-4D97-AF65-F5344CB8AC3E}">
-        <p14:creationId xmlns:p14="http://schemas.microsoft.com/office/powerpoint/2010/main" val="858626510"/>
+        <p14:creationId xmlns:p14="http://schemas.microsoft.com/office/powerpoint/2010/main" val="3342627995"/>
       </p:ext>
     </p:extLst>
   </p:cSld>
@@ -1905,7 +1905,7 @@
           <p:cNvPr id="2" name="标题 1">
             <a:extLst>
               <a:ext uri="{FF2B5EF4-FFF2-40B4-BE49-F238E27FC236}">
-                <a16:creationId xmlns:a16="http://schemas.microsoft.com/office/drawing/2014/main" id="{D030E756-C443-17CF-3217-C874A5CE5AE1}"/>
+                <a16:creationId xmlns:a16="http://schemas.microsoft.com/office/drawing/2014/main" id="{9A67CBAC-7C44-C787-8D81-7A428E134286}"/>
               </a:ext>
             </a:extLst>
           </p:cNvPr>
@@ -1933,7 +1933,7 @@
           <p:cNvPr id="3" name="日期占位符 2">
             <a:extLst>
               <a:ext uri="{FF2B5EF4-FFF2-40B4-BE49-F238E27FC236}">
-                <a16:creationId xmlns:a16="http://schemas.microsoft.com/office/drawing/2014/main" id="{EE90ABCC-1D67-D85B-FDD9-19CCD98D2E5F}"/>
+                <a16:creationId xmlns:a16="http://schemas.microsoft.com/office/drawing/2014/main" id="{F1407D69-DED4-550F-9E52-C8F00962B07B}"/>
               </a:ext>
             </a:extLst>
           </p:cNvPr>
@@ -1949,7 +1949,7 @@
           <a:bodyPr/>
           <a:lstStyle/>
           <a:p>
-            <a:fld id="{90931C7A-AFF6-4763-82BE-63FA58D1461E}" type="datetimeFigureOut">
+            <a:fld id="{AB8664D7-A399-4A1A-B72F-A7A7424E38D8}" type="datetimeFigureOut">
               <a:rPr lang="zh-CN" altLang="en-US" smtClean="0"/>
               <a:t>2024/3/10</a:t>
             </a:fld>
@@ -1962,7 +1962,7 @@
           <p:cNvPr id="4" name="页脚占位符 3">
             <a:extLst>
               <a:ext uri="{FF2B5EF4-FFF2-40B4-BE49-F238E27FC236}">
-                <a16:creationId xmlns:a16="http://schemas.microsoft.com/office/drawing/2014/main" id="{F61CE11C-0509-0A90-BCD0-B0237107C91B}"/>
+                <a16:creationId xmlns:a16="http://schemas.microsoft.com/office/drawing/2014/main" id="{CAD96EAD-8812-61BD-FF80-29C24793D082}"/>
               </a:ext>
             </a:extLst>
           </p:cNvPr>
@@ -1987,7 +1987,7 @@
           <p:cNvPr id="5" name="灯片编号占位符 4">
             <a:extLst>
               <a:ext uri="{FF2B5EF4-FFF2-40B4-BE49-F238E27FC236}">
-                <a16:creationId xmlns:a16="http://schemas.microsoft.com/office/drawing/2014/main" id="{16B27991-479D-8B8A-B462-5C1DA936DA6A}"/>
+                <a16:creationId xmlns:a16="http://schemas.microsoft.com/office/drawing/2014/main" id="{C272B277-E488-D87A-BB7C-AEB503A4646A}"/>
               </a:ext>
             </a:extLst>
           </p:cNvPr>
@@ -2003,7 +2003,7 @@
           <a:bodyPr/>
           <a:lstStyle/>
           <a:p>
-            <a:fld id="{24F4558D-B8AE-42A7-B223-51B7684891C8}" type="slidenum">
+            <a:fld id="{E8DE1F5A-10E4-4803-8ECE-FAEFEEEAE948}" type="slidenum">
               <a:rPr lang="zh-CN" altLang="en-US" smtClean="0"/>
               <a:t>‹#›</a:t>
             </a:fld>
@@ -2014,7 +2014,7 @@
     </p:spTree>
     <p:extLst>
       <p:ext uri="{BB962C8B-B14F-4D97-AF65-F5344CB8AC3E}">
-        <p14:creationId xmlns:p14="http://schemas.microsoft.com/office/powerpoint/2010/main" val="2796679115"/>
+        <p14:creationId xmlns:p14="http://schemas.microsoft.com/office/powerpoint/2010/main" val="882095241"/>
       </p:ext>
     </p:extLst>
   </p:cSld>
@@ -2046,7 +2046,7 @@
           <p:cNvPr id="2" name="日期占位符 1">
             <a:extLst>
               <a:ext uri="{FF2B5EF4-FFF2-40B4-BE49-F238E27FC236}">
-                <a16:creationId xmlns:a16="http://schemas.microsoft.com/office/drawing/2014/main" id="{1080833D-8F74-F8D1-F48C-9772B8FD6BC7}"/>
+                <a16:creationId xmlns:a16="http://schemas.microsoft.com/office/drawing/2014/main" id="{B64094DD-2B05-C4C5-62C9-07C8728EC4E2}"/>
               </a:ext>
             </a:extLst>
           </p:cNvPr>
@@ -2062,7 +2062,7 @@
           <a:bodyPr/>
           <a:lstStyle/>
           <a:p>
-            <a:fld id="{90931C7A-AFF6-4763-82BE-63FA58D1461E}" type="datetimeFigureOut">
+            <a:fld id="{AB8664D7-A399-4A1A-B72F-A7A7424E38D8}" type="datetimeFigureOut">
               <a:rPr lang="zh-CN" altLang="en-US" smtClean="0"/>
               <a:t>2024/3/10</a:t>
             </a:fld>
@@ -2075,7 +2075,7 @@
           <p:cNvPr id="3" name="页脚占位符 2">
             <a:extLst>
               <a:ext uri="{FF2B5EF4-FFF2-40B4-BE49-F238E27FC236}">
-                <a16:creationId xmlns:a16="http://schemas.microsoft.com/office/drawing/2014/main" id="{B3317690-0791-E72C-EA34-AD9B01AEBA33}"/>
+                <a16:creationId xmlns:a16="http://schemas.microsoft.com/office/drawing/2014/main" id="{736DB009-255E-FCEB-0F25-ACBE7EEF2B39}"/>
               </a:ext>
             </a:extLst>
           </p:cNvPr>
@@ -2100,7 +2100,7 @@
           <p:cNvPr id="4" name="灯片编号占位符 3">
             <a:extLst>
               <a:ext uri="{FF2B5EF4-FFF2-40B4-BE49-F238E27FC236}">
-                <a16:creationId xmlns:a16="http://schemas.microsoft.com/office/drawing/2014/main" id="{B14F2121-7B07-751B-6421-7B5FC1F82E4F}"/>
+                <a16:creationId xmlns:a16="http://schemas.microsoft.com/office/drawing/2014/main" id="{37FE35A9-6C0D-1A32-67B1-CAF32E31DBDF}"/>
               </a:ext>
             </a:extLst>
           </p:cNvPr>
@@ -2116,7 +2116,7 @@
           <a:bodyPr/>
           <a:lstStyle/>
           <a:p>
-            <a:fld id="{24F4558D-B8AE-42A7-B223-51B7684891C8}" type="slidenum">
+            <a:fld id="{E8DE1F5A-10E4-4803-8ECE-FAEFEEEAE948}" type="slidenum">
               <a:rPr lang="zh-CN" altLang="en-US" smtClean="0"/>
               <a:t>‹#›</a:t>
             </a:fld>
@@ -2127,7 +2127,7 @@
     </p:spTree>
     <p:extLst>
       <p:ext uri="{BB962C8B-B14F-4D97-AF65-F5344CB8AC3E}">
-        <p14:creationId xmlns:p14="http://schemas.microsoft.com/office/powerpoint/2010/main" val="3003583795"/>
+        <p14:creationId xmlns:p14="http://schemas.microsoft.com/office/powerpoint/2010/main" val="1044653744"/>
       </p:ext>
     </p:extLst>
   </p:cSld>
@@ -2159,7 +2159,7 @@
           <p:cNvPr id="2" name="标题 1">
             <a:extLst>
               <a:ext uri="{FF2B5EF4-FFF2-40B4-BE49-F238E27FC236}">
-                <a16:creationId xmlns:a16="http://schemas.microsoft.com/office/drawing/2014/main" id="{268DA3D5-4AC8-02B4-E3EA-D7244E8AAAEE}"/>
+                <a16:creationId xmlns:a16="http://schemas.microsoft.com/office/drawing/2014/main" id="{786F68AB-D42E-DE3B-24F9-5F63CB7F218F}"/>
               </a:ext>
             </a:extLst>
           </p:cNvPr>
@@ -2196,7 +2196,7 @@
           <p:cNvPr id="3" name="内容占位符 2">
             <a:extLst>
               <a:ext uri="{FF2B5EF4-FFF2-40B4-BE49-F238E27FC236}">
-                <a16:creationId xmlns:a16="http://schemas.microsoft.com/office/drawing/2014/main" id="{7AA7CB03-4A8A-52E4-228E-CAFA3A4C0D04}"/>
+                <a16:creationId xmlns:a16="http://schemas.microsoft.com/office/drawing/2014/main" id="{70EB35A8-0B86-4882-AF07-B3A5B615EC9E}"/>
               </a:ext>
             </a:extLst>
           </p:cNvPr>
@@ -2286,7 +2286,7 @@
           <p:cNvPr id="4" name="文本占位符 3">
             <a:extLst>
               <a:ext uri="{FF2B5EF4-FFF2-40B4-BE49-F238E27FC236}">
-                <a16:creationId xmlns:a16="http://schemas.microsoft.com/office/drawing/2014/main" id="{140CAF50-FDA9-FCD1-091E-C7C12EF73C81}"/>
+                <a16:creationId xmlns:a16="http://schemas.microsoft.com/office/drawing/2014/main" id="{B931FCE2-8C43-F11E-3BC5-509DF22DA9F8}"/>
               </a:ext>
             </a:extLst>
           </p:cNvPr>
@@ -2357,7 +2357,7 @@
           <p:cNvPr id="5" name="日期占位符 4">
             <a:extLst>
               <a:ext uri="{FF2B5EF4-FFF2-40B4-BE49-F238E27FC236}">
-                <a16:creationId xmlns:a16="http://schemas.microsoft.com/office/drawing/2014/main" id="{72B2728A-42C3-6BC7-95B5-F71324A2EC00}"/>
+                <a16:creationId xmlns:a16="http://schemas.microsoft.com/office/drawing/2014/main" id="{C39AD4A1-3FDF-ADFA-691C-5E4795F1A009}"/>
               </a:ext>
             </a:extLst>
           </p:cNvPr>
@@ -2373,7 +2373,7 @@
           <a:bodyPr/>
           <a:lstStyle/>
           <a:p>
-            <a:fld id="{90931C7A-AFF6-4763-82BE-63FA58D1461E}" type="datetimeFigureOut">
+            <a:fld id="{AB8664D7-A399-4A1A-B72F-A7A7424E38D8}" type="datetimeFigureOut">
               <a:rPr lang="zh-CN" altLang="en-US" smtClean="0"/>
               <a:t>2024/3/10</a:t>
             </a:fld>
@@ -2386,7 +2386,7 @@
           <p:cNvPr id="6" name="页脚占位符 5">
             <a:extLst>
               <a:ext uri="{FF2B5EF4-FFF2-40B4-BE49-F238E27FC236}">
-                <a16:creationId xmlns:a16="http://schemas.microsoft.com/office/drawing/2014/main" id="{71343FC5-9D74-1C03-7F3A-9F35FD9A45B4}"/>
+                <a16:creationId xmlns:a16="http://schemas.microsoft.com/office/drawing/2014/main" id="{7FC20324-3082-D2E1-A6E9-FF9B54524024}"/>
               </a:ext>
             </a:extLst>
           </p:cNvPr>
@@ -2411,7 +2411,7 @@
           <p:cNvPr id="7" name="灯片编号占位符 6">
             <a:extLst>
               <a:ext uri="{FF2B5EF4-FFF2-40B4-BE49-F238E27FC236}">
-                <a16:creationId xmlns:a16="http://schemas.microsoft.com/office/drawing/2014/main" id="{E864FEC4-9E53-860C-5F29-369700E49A99}"/>
+                <a16:creationId xmlns:a16="http://schemas.microsoft.com/office/drawing/2014/main" id="{5D80A707-D7E3-69D0-9696-A49774A89804}"/>
               </a:ext>
             </a:extLst>
           </p:cNvPr>
@@ -2427,7 +2427,7 @@
           <a:bodyPr/>
           <a:lstStyle/>
           <a:p>
-            <a:fld id="{24F4558D-B8AE-42A7-B223-51B7684891C8}" type="slidenum">
+            <a:fld id="{E8DE1F5A-10E4-4803-8ECE-FAEFEEEAE948}" type="slidenum">
               <a:rPr lang="zh-CN" altLang="en-US" smtClean="0"/>
               <a:t>‹#›</a:t>
             </a:fld>
@@ -2438,7 +2438,7 @@
     </p:spTree>
     <p:extLst>
       <p:ext uri="{BB962C8B-B14F-4D97-AF65-F5344CB8AC3E}">
-        <p14:creationId xmlns:p14="http://schemas.microsoft.com/office/powerpoint/2010/main" val="1763717273"/>
+        <p14:creationId xmlns:p14="http://schemas.microsoft.com/office/powerpoint/2010/main" val="3111719475"/>
       </p:ext>
     </p:extLst>
   </p:cSld>
@@ -2470,7 +2470,7 @@
           <p:cNvPr id="2" name="标题 1">
             <a:extLst>
               <a:ext uri="{FF2B5EF4-FFF2-40B4-BE49-F238E27FC236}">
-                <a16:creationId xmlns:a16="http://schemas.microsoft.com/office/drawing/2014/main" id="{14B823EC-AEBA-C5BF-4CB4-ECD9EA29663E}"/>
+                <a16:creationId xmlns:a16="http://schemas.microsoft.com/office/drawing/2014/main" id="{5B52430D-9CDA-3D97-A0EC-4101DA3E296D}"/>
               </a:ext>
             </a:extLst>
           </p:cNvPr>
@@ -2507,7 +2507,7 @@
           <p:cNvPr id="3" name="图片占位符 2">
             <a:extLst>
               <a:ext uri="{FF2B5EF4-FFF2-40B4-BE49-F238E27FC236}">
-                <a16:creationId xmlns:a16="http://schemas.microsoft.com/office/drawing/2014/main" id="{B8A2695E-81D0-86F8-37DF-69519C4F6912}"/>
+                <a16:creationId xmlns:a16="http://schemas.microsoft.com/office/drawing/2014/main" id="{5C06A626-BFDE-7498-20ED-E1A0AA99699F}"/>
               </a:ext>
             </a:extLst>
           </p:cNvPr>
@@ -2574,7 +2574,7 @@
           <p:cNvPr id="4" name="文本占位符 3">
             <a:extLst>
               <a:ext uri="{FF2B5EF4-FFF2-40B4-BE49-F238E27FC236}">
-                <a16:creationId xmlns:a16="http://schemas.microsoft.com/office/drawing/2014/main" id="{ACA15CDC-876C-E49F-0185-4AC72DCB1F2A}"/>
+                <a16:creationId xmlns:a16="http://schemas.microsoft.com/office/drawing/2014/main" id="{DF4290E8-BC80-3322-4139-308A5488F357}"/>
               </a:ext>
             </a:extLst>
           </p:cNvPr>
@@ -2645,7 +2645,7 @@
           <p:cNvPr id="5" name="日期占位符 4">
             <a:extLst>
               <a:ext uri="{FF2B5EF4-FFF2-40B4-BE49-F238E27FC236}">
-                <a16:creationId xmlns:a16="http://schemas.microsoft.com/office/drawing/2014/main" id="{EBA535B5-C63C-B343-CDD7-CF2DB6041F43}"/>
+                <a16:creationId xmlns:a16="http://schemas.microsoft.com/office/drawing/2014/main" id="{55A99E66-A7C6-31D4-A773-6B1CB3DBEE2C}"/>
               </a:ext>
             </a:extLst>
           </p:cNvPr>
@@ -2661,7 +2661,7 @@
           <a:bodyPr/>
           <a:lstStyle/>
           <a:p>
-            <a:fld id="{90931C7A-AFF6-4763-82BE-63FA58D1461E}" type="datetimeFigureOut">
+            <a:fld id="{AB8664D7-A399-4A1A-B72F-A7A7424E38D8}" type="datetimeFigureOut">
               <a:rPr lang="zh-CN" altLang="en-US" smtClean="0"/>
               <a:t>2024/3/10</a:t>
             </a:fld>
@@ -2674,7 +2674,7 @@
           <p:cNvPr id="6" name="页脚占位符 5">
             <a:extLst>
               <a:ext uri="{FF2B5EF4-FFF2-40B4-BE49-F238E27FC236}">
-                <a16:creationId xmlns:a16="http://schemas.microsoft.com/office/drawing/2014/main" id="{C60699C1-8EA9-E011-B013-B0059E5A8D9C}"/>
+                <a16:creationId xmlns:a16="http://schemas.microsoft.com/office/drawing/2014/main" id="{F0EC3036-2FFC-6C65-02B6-7DE49118CF9B}"/>
               </a:ext>
             </a:extLst>
           </p:cNvPr>
@@ -2699,7 +2699,7 @@
           <p:cNvPr id="7" name="灯片编号占位符 6">
             <a:extLst>
               <a:ext uri="{FF2B5EF4-FFF2-40B4-BE49-F238E27FC236}">
-                <a16:creationId xmlns:a16="http://schemas.microsoft.com/office/drawing/2014/main" id="{CF9D840B-4DA8-232B-9698-51DAEDF20618}"/>
+                <a16:creationId xmlns:a16="http://schemas.microsoft.com/office/drawing/2014/main" id="{70AC7A32-6B22-EEFA-CA70-03FCEEF7478A}"/>
               </a:ext>
             </a:extLst>
           </p:cNvPr>
@@ -2715,7 +2715,7 @@
           <a:bodyPr/>
           <a:lstStyle/>
           <a:p>
-            <a:fld id="{24F4558D-B8AE-42A7-B223-51B7684891C8}" type="slidenum">
+            <a:fld id="{E8DE1F5A-10E4-4803-8ECE-FAEFEEEAE948}" type="slidenum">
               <a:rPr lang="zh-CN" altLang="en-US" smtClean="0"/>
               <a:t>‹#›</a:t>
             </a:fld>
@@ -2726,7 +2726,7 @@
     </p:spTree>
     <p:extLst>
       <p:ext uri="{BB962C8B-B14F-4D97-AF65-F5344CB8AC3E}">
-        <p14:creationId xmlns:p14="http://schemas.microsoft.com/office/powerpoint/2010/main" val="1728998679"/>
+        <p14:creationId xmlns:p14="http://schemas.microsoft.com/office/powerpoint/2010/main" val="2371889290"/>
       </p:ext>
     </p:extLst>
   </p:cSld>
@@ -2763,7 +2763,7 @@
           <p:cNvPr id="2" name="标题占位符 1">
             <a:extLst>
               <a:ext uri="{FF2B5EF4-FFF2-40B4-BE49-F238E27FC236}">
-                <a16:creationId xmlns:a16="http://schemas.microsoft.com/office/drawing/2014/main" id="{09293779-60FC-8709-3400-D6D8CE8147FC}"/>
+                <a16:creationId xmlns:a16="http://schemas.microsoft.com/office/drawing/2014/main" id="{4BBDEBE5-65A5-7DB9-661C-062184A13689}"/>
               </a:ext>
             </a:extLst>
           </p:cNvPr>
@@ -2801,7 +2801,7 @@
           <p:cNvPr id="3" name="文本占位符 2">
             <a:extLst>
               <a:ext uri="{FF2B5EF4-FFF2-40B4-BE49-F238E27FC236}">
-                <a16:creationId xmlns:a16="http://schemas.microsoft.com/office/drawing/2014/main" id="{D191E7E1-037A-B1A7-B70F-B91CA4780E91}"/>
+                <a16:creationId xmlns:a16="http://schemas.microsoft.com/office/drawing/2014/main" id="{35B05EBF-7A56-4120-3766-C4F9A12D8F0B}"/>
               </a:ext>
             </a:extLst>
           </p:cNvPr>
@@ -2868,7 +2868,7 @@
           <p:cNvPr id="4" name="日期占位符 3">
             <a:extLst>
               <a:ext uri="{FF2B5EF4-FFF2-40B4-BE49-F238E27FC236}">
-                <a16:creationId xmlns:a16="http://schemas.microsoft.com/office/drawing/2014/main" id="{A4DDC9C6-A300-2DFF-0BF2-B5A4CF07BE1F}"/>
+                <a16:creationId xmlns:a16="http://schemas.microsoft.com/office/drawing/2014/main" id="{6756B310-8C6D-5B2B-D28D-479AE4AE839C}"/>
               </a:ext>
             </a:extLst>
           </p:cNvPr>
@@ -2902,7 +2902,7 @@
             </a:lvl1pPr>
           </a:lstStyle>
           <a:p>
-            <a:fld id="{90931C7A-AFF6-4763-82BE-63FA58D1461E}" type="datetimeFigureOut">
+            <a:fld id="{AB8664D7-A399-4A1A-B72F-A7A7424E38D8}" type="datetimeFigureOut">
               <a:rPr lang="zh-CN" altLang="en-US" smtClean="0"/>
               <a:t>2024/3/10</a:t>
             </a:fld>
@@ -2915,7 +2915,7 @@
           <p:cNvPr id="5" name="页脚占位符 4">
             <a:extLst>
               <a:ext uri="{FF2B5EF4-FFF2-40B4-BE49-F238E27FC236}">
-                <a16:creationId xmlns:a16="http://schemas.microsoft.com/office/drawing/2014/main" id="{39867DC0-6DE8-8213-4D9D-51E7B67BC999}"/>
+                <a16:creationId xmlns:a16="http://schemas.microsoft.com/office/drawing/2014/main" id="{8E29D5DE-F1E4-BC39-2F6A-0B4C14E790D5}"/>
               </a:ext>
             </a:extLst>
           </p:cNvPr>
@@ -2958,7 +2958,7 @@
           <p:cNvPr id="6" name="灯片编号占位符 5">
             <a:extLst>
               <a:ext uri="{FF2B5EF4-FFF2-40B4-BE49-F238E27FC236}">
-                <a16:creationId xmlns:a16="http://schemas.microsoft.com/office/drawing/2014/main" id="{03663E05-AE69-1DAF-D985-55D97F81B290}"/>
+                <a16:creationId xmlns:a16="http://schemas.microsoft.com/office/drawing/2014/main" id="{41C718C3-CC96-B642-0030-E1EA768BD6B1}"/>
               </a:ext>
             </a:extLst>
           </p:cNvPr>
@@ -2992,7 +2992,7 @@
             </a:lvl1pPr>
           </a:lstStyle>
           <a:p>
-            <a:fld id="{24F4558D-B8AE-42A7-B223-51B7684891C8}" type="slidenum">
+            <a:fld id="{E8DE1F5A-10E4-4803-8ECE-FAEFEEEAE948}" type="slidenum">
               <a:rPr lang="zh-CN" altLang="en-US" smtClean="0"/>
               <a:t>‹#›</a:t>
             </a:fld>
@@ -3003,7 +3003,7 @@
     </p:spTree>
     <p:extLst>
       <p:ext uri="{BB962C8B-B14F-4D97-AF65-F5344CB8AC3E}">
-        <p14:creationId xmlns:p14="http://schemas.microsoft.com/office/powerpoint/2010/main" val="2932157150"/>
+        <p14:creationId xmlns:p14="http://schemas.microsoft.com/office/powerpoint/2010/main" val="4121561998"/>
       </p:ext>
     </p:extLst>
   </p:cSld>
@@ -3323,7 +3323,7 @@
       </p:grpSpPr>
       <p:pic>
         <p:nvPicPr>
-          <p:cNvPr id="557058" name="Picture 2" descr="543"/>
+          <p:cNvPr id="558082" name="Picture 2" descr="544"/>
           <p:cNvPicPr>
             <a:picLocks noChangeAspect="1" noChangeArrowheads="1"/>
           </p:cNvPicPr>
@@ -3345,7 +3345,7 @@
         <p:spPr bwMode="auto">
           <a:xfrm>
             <a:off x="1524000" y="0"/>
-            <a:ext cx="9144000" cy="6858000"/>
+            <a:ext cx="9144000" cy="6859588"/>
           </a:xfrm>
           <a:prstGeom prst="rect">
             <a:avLst/>
@@ -3375,11 +3375,158 @@
           </a:extLst>
         </p:spPr>
       </p:pic>
+      <p:pic>
+        <p:nvPicPr>
+          <p:cNvPr id="559107" name="Picture 3" descr="544-2"/>
+          <p:cNvPicPr>
+            <a:picLocks noChangeAspect="1" noChangeArrowheads="1"/>
+          </p:cNvPicPr>
+          <p:nvPr/>
+        </p:nvPicPr>
+        <p:blipFill>
+          <a:blip r:embed="rId3">
+            <a:extLst>
+              <a:ext uri="{28A0092B-C50C-407E-A947-70E740481C1C}">
+                <a14:useLocalDpi xmlns:a14="http://schemas.microsoft.com/office/drawing/2010/main" val="0"/>
+              </a:ext>
+            </a:extLst>
+          </a:blip>
+          <a:srcRect/>
+          <a:stretch>
+            <a:fillRect/>
+          </a:stretch>
+        </p:blipFill>
+        <p:spPr bwMode="auto">
+          <a:xfrm>
+            <a:off x="1524000" y="0"/>
+            <a:ext cx="9144000" cy="6858000"/>
+          </a:xfrm>
+          <a:prstGeom prst="rect">
+            <a:avLst/>
+          </a:prstGeom>
+          <a:noFill/>
+          <a:ln>
+            <a:noFill/>
+          </a:ln>
+          <a:effectLst/>
+          <a:extLst>
+            <a:ext uri="{909E8E84-426E-40DD-AFC4-6F175D3DCCD1}">
+              <a14:hiddenFill xmlns:a14="http://schemas.microsoft.com/office/drawing/2010/main">
+                <a:solidFill>
+                  <a:srgbClr val="FFFFFF"/>
+                </a:solidFill>
+              </a14:hiddenFill>
+            </a:ext>
+            <a:ext uri="{91240B29-F687-4F45-9708-019B960494DF}">
+              <a14:hiddenLine xmlns:a14="http://schemas.microsoft.com/office/drawing/2010/main" w="9525">
+                <a:solidFill>
+                  <a:srgbClr val="000000"/>
+                </a:solidFill>
+                <a:miter lim="800000"/>
+                <a:headEnd/>
+                <a:tailEnd/>
+              </a14:hiddenLine>
+            </a:ext>
+            <a:ext uri="{AF507438-7753-43E0-B8FC-AC1667EBCBE1}">
+              <a14:hiddenEffects xmlns:a14="http://schemas.microsoft.com/office/drawing/2010/main">
+                <a:effectLst>
+                  <a:outerShdw dist="35921" dir="2700000" algn="ctr" rotWithShape="0">
+                    <a:srgbClr val="808080"/>
+                  </a:outerShdw>
+                </a:effectLst>
+              </a14:hiddenEffects>
+            </a:ext>
+          </a:extLst>
+        </p:spPr>
+      </p:pic>
     </p:spTree>
   </p:cSld>
   <p:clrMapOvr>
     <a:masterClrMapping/>
   </p:clrMapOvr>
+  <p:timing>
+    <p:tnLst>
+      <p:par>
+        <p:cTn id="1" dur="indefinite" restart="never" nodeType="tmRoot">
+          <p:childTnLst>
+            <p:seq concurrent="1" nextAc="seek">
+              <p:cTn id="2" dur="indefinite" nodeType="mainSeq">
+                <p:childTnLst>
+                  <p:par>
+                    <p:cTn id="3" fill="hold" nodeType="clickPar">
+                      <p:stCondLst>
+                        <p:cond delay="indefinite"/>
+                      </p:stCondLst>
+                      <p:childTnLst>
+                        <p:par>
+                          <p:cTn id="4" fill="hold" nodeType="withGroup">
+                            <p:stCondLst>
+                              <p:cond delay="0"/>
+                            </p:stCondLst>
+                            <p:childTnLst>
+                              <p:par>
+                                <p:cTn id="5" presetID="10" presetClass="entr" presetSubtype="0" fill="hold" nodeType="clickEffect">
+                                  <p:stCondLst>
+                                    <p:cond delay="0"/>
+                                  </p:stCondLst>
+                                  <p:childTnLst>
+                                    <p:set>
+                                      <p:cBhvr>
+                                        <p:cTn id="6" dur="1" fill="hold">
+                                          <p:stCondLst>
+                                            <p:cond delay="0"/>
+                                          </p:stCondLst>
+                                        </p:cTn>
+                                        <p:tgtEl>
+                                          <p:spTgt spid="559107"/>
+                                        </p:tgtEl>
+                                        <p:attrNameLst>
+                                          <p:attrName>style.visibility</p:attrName>
+                                        </p:attrNameLst>
+                                      </p:cBhvr>
+                                      <p:to>
+                                        <p:strVal val="visible"/>
+                                      </p:to>
+                                    </p:set>
+                                    <p:animEffect transition="in" filter="fade">
+                                      <p:cBhvr>
+                                        <p:cTn id="7" dur="500"/>
+                                        <p:tgtEl>
+                                          <p:spTgt spid="559107"/>
+                                        </p:tgtEl>
+                                      </p:cBhvr>
+                                    </p:animEffect>
+                                  </p:childTnLst>
+                                </p:cTn>
+                              </p:par>
+                            </p:childTnLst>
+                          </p:cTn>
+                        </p:par>
+                      </p:childTnLst>
+                    </p:cTn>
+                  </p:par>
+                </p:childTnLst>
+              </p:cTn>
+              <p:prevCondLst>
+                <p:cond evt="onPrev" delay="0">
+                  <p:tgtEl>
+                    <p:sldTgt/>
+                  </p:tgtEl>
+                </p:cond>
+              </p:prevCondLst>
+              <p:nextCondLst>
+                <p:cond evt="onNext" delay="0">
+                  <p:tgtEl>
+                    <p:sldTgt/>
+                  </p:tgtEl>
+                </p:cond>
+              </p:nextCondLst>
+            </p:seq>
+          </p:childTnLst>
+        </p:cTn>
+      </p:par>
+    </p:tnLst>
+  </p:timing>
 </p:sld>
 </file>
 
